--- a/.lessons (az)/65 Chrome DevTools (на русском)/Задание - Работа в DevTools.pptx
+++ b/.lessons (az)/65 Chrome DevTools (на русском)/Задание - Работа в DevTools.pptx
@@ -6042,7 +6042,27 @@
                 <a:effectLst/>
                 <a:latin typeface="Udemy Sans"/>
               </a:rPr>
-              <a:t>.</a:t>
+              <a:t>. (  </a:t>
+            </a:r>
+            <a:r>
+              <a:rPr lang="en-US" sz="1600" b="0" i="0">
+                <a:solidFill>
+                  <a:srgbClr val="303141"/>
+                </a:solidFill>
+                <a:effectLst/>
+                <a:latin typeface="Udemy Sans"/>
+              </a:rPr>
+              <a:t>https://devtools.qa.studio</a:t>
+            </a:r>
+            <a:r>
+              <a:rPr lang="ru-RU" sz="1600" b="0" i="0">
+                <a:solidFill>
+                  <a:srgbClr val="303141"/>
+                </a:solidFill>
+                <a:effectLst/>
+                <a:latin typeface="Udemy Sans"/>
+              </a:rPr>
+              <a:t>  )</a:t>
             </a:r>
           </a:p>
           <a:p>
